--- a/31_GraphData.pptx
+++ b/31_GraphData.pptx
@@ -5097,7 +5097,7 @@
         </p:blipFill>
         <p:spPr>
           <a:xfrm>
-            <a:off x="899592" y="2175878"/>
+            <a:off x="990848" y="2256821"/>
             <a:ext cx="4010025" cy="3724275"/>
           </a:xfrm>
           <a:prstGeom prst="rect">
@@ -5108,6 +5108,58 @@
               <a:srgbClr val="C00000"/>
             </a:solidFill>
           </a:ln>
+        </p:spPr>
+      </p:pic>
+      <p:pic>
+        <p:nvPicPr>
+          <p:cNvPr id="2050" name="Picture 2" descr="Undirected Graph Using Symmetric Matrix">
+            <a:extLst>
+              <a:ext uri="{FF2B5EF4-FFF2-40B4-BE49-F238E27FC236}">
+                <a16:creationId xmlns:a16="http://schemas.microsoft.com/office/drawing/2014/main" id="{0D34B8B8-34BB-4704-837D-FCE4B7134AF9}"/>
+              </a:ext>
+            </a:extLst>
+          </p:cNvPr>
+          <p:cNvPicPr>
+            <a:picLocks noChangeAspect="1" noChangeArrowheads="1"/>
+          </p:cNvPicPr>
+          <p:nvPr/>
+        </p:nvPicPr>
+        <p:blipFill>
+          <a:blip r:embed="rId4">
+            <a:extLst>
+              <a:ext uri="{28A0092B-C50C-407E-A947-70E740481C1C}">
+                <a14:useLocalDpi xmlns:a14="http://schemas.microsoft.com/office/drawing/2010/main" val="0"/>
+              </a:ext>
+            </a:extLst>
+          </a:blip>
+          <a:srcRect/>
+          <a:stretch>
+            <a:fillRect/>
+          </a:stretch>
+        </p:blipFill>
+        <p:spPr bwMode="auto">
+          <a:xfrm>
+            <a:off x="6156176" y="2311797"/>
+            <a:ext cx="1190625" cy="1428750"/>
+          </a:xfrm>
+          <a:prstGeom prst="rect">
+            <a:avLst/>
+          </a:prstGeom>
+          <a:noFill/>
+          <a:ln>
+            <a:solidFill>
+              <a:srgbClr val="C00000"/>
+            </a:solidFill>
+          </a:ln>
+          <a:extLst>
+            <a:ext uri="{909E8E84-426E-40DD-AFC4-6F175D3DCCD1}">
+              <a14:hiddenFill xmlns:a14="http://schemas.microsoft.com/office/drawing/2010/main">
+                <a:solidFill>
+                  <a:srgbClr val="FFFFFF"/>
+                </a:solidFill>
+              </a14:hiddenFill>
+            </a:ext>
+          </a:extLst>
         </p:spPr>
       </p:pic>
     </p:spTree>
